--- a/docs/ProjectReports/Project Report.pptx
+++ b/docs/ProjectReports/Project Report.pptx
@@ -155,6 +155,9 @@
         </p14:section>
       </p14:sectionLst>
     </p:ext>
+    <p:ext uri="{EFAFB233-063F-42B5-8137-9DF3F51BA10A}">
+      <p15:sldGuideLst xmlns:p15="http://schemas.microsoft.com/office/powerpoint/2012/main"/>
+    </p:ext>
   </p:extLst>
 </p:presentation>
 </file>
@@ -241,7 +244,7 @@
           <a:p>
             <a:fld id="{4523D1B6-4763-4304-8A47-54B052BC0D46}" type="datetimeFigureOut">
               <a:rPr lang="en-US" smtClean="0"/>
-              <a:t>9/5/2019</a:t>
+              <a:t>9/6/2019</a:t>
             </a:fld>
             <a:endParaRPr lang="en-US"/>
           </a:p>
@@ -1038,7 +1041,7 @@
           <a:p>
             <a:fld id="{2A41D33B-3C6C-4D42-87F2-F841604B361C}" type="datetime1">
               <a:rPr lang="en-GB" smtClean="0"/>
-              <a:t>05/09/2019</a:t>
+              <a:t>06/09/2019</a:t>
             </a:fld>
             <a:endParaRPr lang="en-US"/>
           </a:p>
@@ -1100,13 +1103,13 @@
   <p:clrMapOvr>
     <a:masterClrMapping/>
   </p:clrMapOvr>
-  <mc:AlternateContent xmlns:mc="http://schemas.openxmlformats.org/markup-compatibility/2006">
-    <mc:Choice xmlns:p14="http://schemas.microsoft.com/office/powerpoint/2010/main" Requires="p14">
+  <mc:AlternateContent xmlns:mc="http://schemas.openxmlformats.org/markup-compatibility/2006" xmlns:p14="http://schemas.microsoft.com/office/powerpoint/2010/main">
+    <mc:Choice Requires="p14">
       <p:transition spd="med" p14:dur="700">
         <p:fade/>
       </p:transition>
     </mc:Choice>
-    <mc:Fallback>
+    <mc:Fallback xmlns="">
       <p:transition spd="med">
         <p:fade/>
       </p:transition>
@@ -1357,7 +1360,7 @@
           <a:p>
             <a:fld id="{CB1D1432-ED34-4C37-BB93-41BB24C2D91F}" type="datetime1">
               <a:rPr lang="en-GB" smtClean="0"/>
-              <a:t>05/09/2019</a:t>
+              <a:t>06/09/2019</a:t>
             </a:fld>
             <a:endParaRPr lang="en-US"/>
           </a:p>
@@ -1419,13 +1422,13 @@
   <p:clrMapOvr>
     <a:masterClrMapping/>
   </p:clrMapOvr>
-  <mc:AlternateContent xmlns:mc="http://schemas.openxmlformats.org/markup-compatibility/2006">
-    <mc:Choice xmlns:p14="http://schemas.microsoft.com/office/powerpoint/2010/main" Requires="p14">
+  <mc:AlternateContent xmlns:mc="http://schemas.openxmlformats.org/markup-compatibility/2006" xmlns:p14="http://schemas.microsoft.com/office/powerpoint/2010/main">
+    <mc:Choice Requires="p14">
       <p:transition spd="med" p14:dur="700">
         <p:fade/>
       </p:transition>
     </mc:Choice>
-    <mc:Fallback>
+    <mc:Fallback xmlns="">
       <p:transition spd="med">
         <p:fade/>
       </p:transition>
@@ -1565,7 +1568,7 @@
           <a:p>
             <a:fld id="{E631AE2A-9F0B-4E4F-BD2D-715554D08082}" type="datetime1">
               <a:rPr lang="en-GB" smtClean="0"/>
-              <a:t>05/09/2019</a:t>
+              <a:t>06/09/2019</a:t>
             </a:fld>
             <a:endParaRPr lang="en-US"/>
           </a:p>
@@ -1627,13 +1630,13 @@
   <p:clrMapOvr>
     <a:masterClrMapping/>
   </p:clrMapOvr>
-  <mc:AlternateContent xmlns:mc="http://schemas.openxmlformats.org/markup-compatibility/2006">
-    <mc:Choice xmlns:p14="http://schemas.microsoft.com/office/powerpoint/2010/main" Requires="p14">
+  <mc:AlternateContent xmlns:mc="http://schemas.openxmlformats.org/markup-compatibility/2006" xmlns:p14="http://schemas.microsoft.com/office/powerpoint/2010/main">
+    <mc:Choice Requires="p14">
       <p:transition spd="med" p14:dur="700">
         <p:fade/>
       </p:transition>
     </mc:Choice>
-    <mc:Fallback>
+    <mc:Fallback xmlns="">
       <p:transition spd="med">
         <p:fade/>
       </p:transition>
@@ -1842,7 +1845,7 @@
           <a:p>
             <a:fld id="{4ECB6A40-8547-42F5-8D6E-640BD450BB66}" type="datetime1">
               <a:rPr lang="en-GB" smtClean="0"/>
-              <a:t>05/09/2019</a:t>
+              <a:t>06/09/2019</a:t>
             </a:fld>
             <a:endParaRPr lang="en-US"/>
           </a:p>
@@ -2136,13 +2139,13 @@
   <p:clrMapOvr>
     <a:masterClrMapping/>
   </p:clrMapOvr>
-  <mc:AlternateContent xmlns:mc="http://schemas.openxmlformats.org/markup-compatibility/2006">
-    <mc:Choice xmlns:p14="http://schemas.microsoft.com/office/powerpoint/2010/main" Requires="p14">
+  <mc:AlternateContent xmlns:mc="http://schemas.openxmlformats.org/markup-compatibility/2006" xmlns:p14="http://schemas.microsoft.com/office/powerpoint/2010/main">
+    <mc:Choice Requires="p14">
       <p:transition spd="med" p14:dur="700">
         <p:fade/>
       </p:transition>
     </mc:Choice>
-    <mc:Fallback>
+    <mc:Fallback xmlns="">
       <p:transition spd="med">
         <p:fade/>
       </p:transition>
@@ -2282,7 +2285,7 @@
           <a:p>
             <a:fld id="{4D7138DD-AACA-4B11-97E0-A7BEFD95E1CF}" type="datetime1">
               <a:rPr lang="en-GB" smtClean="0"/>
-              <a:t>05/09/2019</a:t>
+              <a:t>06/09/2019</a:t>
             </a:fld>
             <a:endParaRPr lang="en-US"/>
           </a:p>
@@ -2344,13 +2347,13 @@
   <p:clrMapOvr>
     <a:masterClrMapping/>
   </p:clrMapOvr>
-  <mc:AlternateContent xmlns:mc="http://schemas.openxmlformats.org/markup-compatibility/2006">
-    <mc:Choice xmlns:p14="http://schemas.microsoft.com/office/powerpoint/2010/main" Requires="p14">
+  <mc:AlternateContent xmlns:mc="http://schemas.openxmlformats.org/markup-compatibility/2006" xmlns:p14="http://schemas.microsoft.com/office/powerpoint/2010/main">
+    <mc:Choice Requires="p14">
       <p:transition spd="med" p14:dur="700">
         <p:fade/>
       </p:transition>
     </mc:Choice>
-    <mc:Fallback>
+    <mc:Fallback xmlns="">
       <p:transition spd="med">
         <p:fade/>
       </p:transition>
@@ -2835,7 +2838,7 @@
           <a:p>
             <a:fld id="{FE1CEE16-70EF-4480-BAFA-8600AD115941}" type="datetime1">
               <a:rPr lang="en-GB" smtClean="0"/>
-              <a:t>05/09/2019</a:t>
+              <a:t>06/09/2019</a:t>
             </a:fld>
             <a:endParaRPr lang="en-US"/>
           </a:p>
@@ -2897,13 +2900,13 @@
   <p:clrMapOvr>
     <a:masterClrMapping/>
   </p:clrMapOvr>
-  <mc:AlternateContent xmlns:mc="http://schemas.openxmlformats.org/markup-compatibility/2006">
-    <mc:Choice xmlns:p14="http://schemas.microsoft.com/office/powerpoint/2010/main" Requires="p14">
+  <mc:AlternateContent xmlns:mc="http://schemas.openxmlformats.org/markup-compatibility/2006" xmlns:p14="http://schemas.microsoft.com/office/powerpoint/2010/main">
+    <mc:Choice Requires="p14">
       <p:transition spd="med" p14:dur="700">
         <p:fade/>
       </p:transition>
     </mc:Choice>
-    <mc:Fallback>
+    <mc:Fallback xmlns="">
       <p:transition spd="med">
         <p:fade/>
       </p:transition>
@@ -3715,7 +3718,7 @@
           <a:p>
             <a:fld id="{B6104B58-D97C-4770-9AEF-7C78F5052F79}" type="datetime1">
               <a:rPr lang="en-GB" smtClean="0"/>
-              <a:t>05/09/2019</a:t>
+              <a:t>06/09/2019</a:t>
             </a:fld>
             <a:endParaRPr lang="en-US"/>
           </a:p>
@@ -3777,13 +3780,13 @@
   <p:clrMapOvr>
     <a:masterClrMapping/>
   </p:clrMapOvr>
-  <mc:AlternateContent xmlns:mc="http://schemas.openxmlformats.org/markup-compatibility/2006">
-    <mc:Choice xmlns:p14="http://schemas.microsoft.com/office/powerpoint/2010/main" Requires="p14">
+  <mc:AlternateContent xmlns:mc="http://schemas.openxmlformats.org/markup-compatibility/2006" xmlns:p14="http://schemas.microsoft.com/office/powerpoint/2010/main">
+    <mc:Choice Requires="p14">
       <p:transition spd="med" p14:dur="700">
         <p:fade/>
       </p:transition>
     </mc:Choice>
-    <mc:Fallback>
+    <mc:Fallback xmlns="">
       <p:transition spd="med">
         <p:fade/>
       </p:transition>
@@ -3901,7 +3904,7 @@
           <a:p>
             <a:fld id="{41F0D602-94CB-4E7B-8119-0AF92A5260B1}" type="datetime1">
               <a:rPr lang="en-GB" smtClean="0"/>
-              <a:t>05/09/2019</a:t>
+              <a:t>06/09/2019</a:t>
             </a:fld>
             <a:endParaRPr lang="en-US"/>
           </a:p>
@@ -3963,13 +3966,13 @@
   <p:clrMapOvr>
     <a:masterClrMapping/>
   </p:clrMapOvr>
-  <mc:AlternateContent xmlns:mc="http://schemas.openxmlformats.org/markup-compatibility/2006">
-    <mc:Choice xmlns:p14="http://schemas.microsoft.com/office/powerpoint/2010/main" Requires="p14">
+  <mc:AlternateContent xmlns:mc="http://schemas.openxmlformats.org/markup-compatibility/2006" xmlns:p14="http://schemas.microsoft.com/office/powerpoint/2010/main">
+    <mc:Choice Requires="p14">
       <p:transition spd="med" p14:dur="700">
         <p:fade/>
       </p:transition>
     </mc:Choice>
-    <mc:Fallback>
+    <mc:Fallback xmlns="">
       <p:transition spd="med">
         <p:fade/>
       </p:transition>
@@ -4101,7 +4104,7 @@
           <a:p>
             <a:fld id="{6BDDE77F-A92B-431C-B6F1-679B3B3AC94C}" type="datetime1">
               <a:rPr lang="en-GB" smtClean="0"/>
-              <a:t>05/09/2019</a:t>
+              <a:t>06/09/2019</a:t>
             </a:fld>
             <a:endParaRPr lang="en-US"/>
           </a:p>
@@ -4163,13 +4166,13 @@
   <p:clrMapOvr>
     <a:masterClrMapping/>
   </p:clrMapOvr>
-  <mc:AlternateContent xmlns:mc="http://schemas.openxmlformats.org/markup-compatibility/2006">
-    <mc:Choice xmlns:p14="http://schemas.microsoft.com/office/powerpoint/2010/main" Requires="p14">
+  <mc:AlternateContent xmlns:mc="http://schemas.openxmlformats.org/markup-compatibility/2006" xmlns:p14="http://schemas.microsoft.com/office/powerpoint/2010/main">
+    <mc:Choice Requires="p14">
       <p:transition spd="med" p14:dur="700">
         <p:fade/>
       </p:transition>
     </mc:Choice>
-    <mc:Fallback>
+    <mc:Fallback xmlns="">
       <p:transition spd="med">
         <p:fade/>
       </p:transition>
@@ -4292,7 +4295,7 @@
           <a:p>
             <a:fld id="{45693578-DFA0-43A5-8FBF-025FCD153E02}" type="datetime1">
               <a:rPr lang="en-GB" smtClean="0"/>
-              <a:t>05/09/2019</a:t>
+              <a:t>06/09/2019</a:t>
             </a:fld>
             <a:endParaRPr lang="en-US"/>
           </a:p>
@@ -4354,13 +4357,13 @@
   <p:clrMapOvr>
     <a:masterClrMapping/>
   </p:clrMapOvr>
-  <mc:AlternateContent xmlns:mc="http://schemas.openxmlformats.org/markup-compatibility/2006">
-    <mc:Choice xmlns:p14="http://schemas.microsoft.com/office/powerpoint/2010/main" Requires="p14">
+  <mc:AlternateContent xmlns:mc="http://schemas.openxmlformats.org/markup-compatibility/2006" xmlns:p14="http://schemas.microsoft.com/office/powerpoint/2010/main">
+    <mc:Choice Requires="p14">
       <p:transition spd="med" p14:dur="700">
         <p:fade/>
       </p:transition>
     </mc:Choice>
-    <mc:Fallback>
+    <mc:Fallback xmlns="">
       <p:transition spd="med">
         <p:fade/>
       </p:transition>
@@ -4552,7 +4555,7 @@
           <a:p>
             <a:fld id="{DD538539-A5FD-45F1-A7B8-7970D9B8F331}" type="datetime1">
               <a:rPr lang="en-GB" smtClean="0"/>
-              <a:t>05/09/2019</a:t>
+              <a:t>06/09/2019</a:t>
             </a:fld>
             <a:endParaRPr lang="en-US"/>
           </a:p>
@@ -4614,13 +4617,13 @@
   <p:clrMapOvr>
     <a:masterClrMapping/>
   </p:clrMapOvr>
-  <mc:AlternateContent xmlns:mc="http://schemas.openxmlformats.org/markup-compatibility/2006">
-    <mc:Choice xmlns:p14="http://schemas.microsoft.com/office/powerpoint/2010/main" Requires="p14">
+  <mc:AlternateContent xmlns:mc="http://schemas.openxmlformats.org/markup-compatibility/2006" xmlns:p14="http://schemas.microsoft.com/office/powerpoint/2010/main">
+    <mc:Choice Requires="p14">
       <p:transition spd="med" p14:dur="700">
         <p:fade/>
       </p:transition>
     </mc:Choice>
-    <mc:Fallback>
+    <mc:Fallback xmlns="">
       <p:transition spd="med">
         <p:fade/>
       </p:transition>
@@ -4809,7 +4812,7 @@
           <a:p>
             <a:fld id="{26002B1E-3569-4069-AEB7-51062AF5BBBB}" type="datetime1">
               <a:rPr lang="en-GB" smtClean="0"/>
-              <a:t>05/09/2019</a:t>
+              <a:t>06/09/2019</a:t>
             </a:fld>
             <a:endParaRPr lang="en-US"/>
           </a:p>
@@ -4871,13 +4874,13 @@
   <p:clrMapOvr>
     <a:masterClrMapping/>
   </p:clrMapOvr>
-  <mc:AlternateContent xmlns:mc="http://schemas.openxmlformats.org/markup-compatibility/2006">
-    <mc:Choice xmlns:p14="http://schemas.microsoft.com/office/powerpoint/2010/main" Requires="p14">
+  <mc:AlternateContent xmlns:mc="http://schemas.openxmlformats.org/markup-compatibility/2006" xmlns:p14="http://schemas.microsoft.com/office/powerpoint/2010/main">
+    <mc:Choice Requires="p14">
       <p:transition spd="med" p14:dur="700">
         <p:fade/>
       </p:transition>
     </mc:Choice>
-    <mc:Fallback>
+    <mc:Fallback xmlns="">
       <p:transition spd="med">
         <p:fade/>
       </p:transition>
@@ -5291,7 +5294,7 @@
           <a:p>
             <a:fld id="{FE0D92EE-3B18-46A0-B4DF-AA51ED6E98CE}" type="datetime1">
               <a:rPr lang="en-GB" smtClean="0"/>
-              <a:t>05/09/2019</a:t>
+              <a:t>06/09/2019</a:t>
             </a:fld>
             <a:endParaRPr lang="en-US"/>
           </a:p>
@@ -5353,13 +5356,13 @@
   <p:clrMapOvr>
     <a:masterClrMapping/>
   </p:clrMapOvr>
-  <mc:AlternateContent xmlns:mc="http://schemas.openxmlformats.org/markup-compatibility/2006">
-    <mc:Choice xmlns:p14="http://schemas.microsoft.com/office/powerpoint/2010/main" Requires="p14">
+  <mc:AlternateContent xmlns:mc="http://schemas.openxmlformats.org/markup-compatibility/2006" xmlns:p14="http://schemas.microsoft.com/office/powerpoint/2010/main">
+    <mc:Choice Requires="p14">
       <p:transition spd="med" p14:dur="700">
         <p:fade/>
       </p:transition>
     </mc:Choice>
-    <mc:Fallback>
+    <mc:Fallback xmlns="">
       <p:transition spd="med">
         <p:fade/>
       </p:transition>
@@ -5425,7 +5428,7 @@
           <a:p>
             <a:fld id="{E6F5ECEB-B1C1-48C8-935E-8AB8A5F8145C}" type="datetime1">
               <a:rPr lang="en-GB" smtClean="0"/>
-              <a:t>05/09/2019</a:t>
+              <a:t>06/09/2019</a:t>
             </a:fld>
             <a:endParaRPr lang="en-US"/>
           </a:p>
@@ -5487,13 +5490,13 @@
   <p:clrMapOvr>
     <a:masterClrMapping/>
   </p:clrMapOvr>
-  <mc:AlternateContent xmlns:mc="http://schemas.openxmlformats.org/markup-compatibility/2006">
-    <mc:Choice xmlns:p14="http://schemas.microsoft.com/office/powerpoint/2010/main" Requires="p14">
+  <mc:AlternateContent xmlns:mc="http://schemas.openxmlformats.org/markup-compatibility/2006" xmlns:p14="http://schemas.microsoft.com/office/powerpoint/2010/main">
+    <mc:Choice Requires="p14">
       <p:transition spd="med" p14:dur="700">
         <p:fade/>
       </p:transition>
     </mc:Choice>
-    <mc:Fallback>
+    <mc:Fallback xmlns="">
       <p:transition spd="med">
         <p:fade/>
       </p:transition>
@@ -5536,7 +5539,7 @@
           <a:p>
             <a:fld id="{620109FB-31B1-40CD-9C09-A10109FD1002}" type="datetime1">
               <a:rPr lang="en-GB" smtClean="0"/>
-              <a:t>05/09/2019</a:t>
+              <a:t>06/09/2019</a:t>
             </a:fld>
             <a:endParaRPr lang="en-US"/>
           </a:p>
@@ -5598,13 +5601,13 @@
   <p:clrMapOvr>
     <a:masterClrMapping/>
   </p:clrMapOvr>
-  <mc:AlternateContent xmlns:mc="http://schemas.openxmlformats.org/markup-compatibility/2006">
-    <mc:Choice xmlns:p14="http://schemas.microsoft.com/office/powerpoint/2010/main" Requires="p14">
+  <mc:AlternateContent xmlns:mc="http://schemas.openxmlformats.org/markup-compatibility/2006" xmlns:p14="http://schemas.microsoft.com/office/powerpoint/2010/main">
+    <mc:Choice Requires="p14">
       <p:transition spd="med" p14:dur="700">
         <p:fade/>
       </p:transition>
     </mc:Choice>
-    <mc:Fallback>
+    <mc:Fallback xmlns="">
       <p:transition spd="med">
         <p:fade/>
       </p:transition>
@@ -5807,7 +5810,7 @@
           <a:p>
             <a:fld id="{57DF56A4-CA4F-4CD8-942C-0E57C87AA2B0}" type="datetime1">
               <a:rPr lang="en-GB" smtClean="0"/>
-              <a:t>05/09/2019</a:t>
+              <a:t>06/09/2019</a:t>
             </a:fld>
             <a:endParaRPr lang="en-US"/>
           </a:p>
@@ -5869,13 +5872,13 @@
   <p:clrMapOvr>
     <a:masterClrMapping/>
   </p:clrMapOvr>
-  <mc:AlternateContent xmlns:mc="http://schemas.openxmlformats.org/markup-compatibility/2006">
-    <mc:Choice xmlns:p14="http://schemas.microsoft.com/office/powerpoint/2010/main" Requires="p14">
+  <mc:AlternateContent xmlns:mc="http://schemas.openxmlformats.org/markup-compatibility/2006" xmlns:p14="http://schemas.microsoft.com/office/powerpoint/2010/main">
+    <mc:Choice Requires="p14">
       <p:transition spd="med" p14:dur="700">
         <p:fade/>
       </p:transition>
     </mc:Choice>
-    <mc:Fallback>
+    <mc:Fallback xmlns="">
       <p:transition spd="med">
         <p:fade/>
       </p:transition>
@@ -6123,7 +6126,7 @@
           <a:p>
             <a:fld id="{1D5993DC-D204-4E8F-9180-FAD52764DF8B}" type="datetime1">
               <a:rPr lang="en-GB" smtClean="0"/>
-              <a:t>05/09/2019</a:t>
+              <a:t>06/09/2019</a:t>
             </a:fld>
             <a:endParaRPr lang="en-US"/>
           </a:p>
@@ -6185,13 +6188,13 @@
   <p:clrMapOvr>
     <a:masterClrMapping/>
   </p:clrMapOvr>
-  <mc:AlternateContent xmlns:mc="http://schemas.openxmlformats.org/markup-compatibility/2006">
-    <mc:Choice xmlns:p14="http://schemas.microsoft.com/office/powerpoint/2010/main" Requires="p14">
+  <mc:AlternateContent xmlns:mc="http://schemas.openxmlformats.org/markup-compatibility/2006" xmlns:p14="http://schemas.microsoft.com/office/powerpoint/2010/main">
+    <mc:Choice Requires="p14">
       <p:transition spd="med" p14:dur="700">
         <p:fade/>
       </p:transition>
     </mc:Choice>
-    <mc:Fallback>
+    <mc:Fallback xmlns="">
       <p:transition spd="med">
         <p:fade/>
       </p:transition>
@@ -6373,7 +6376,7 @@
           <a:p>
             <a:fld id="{54E25206-184D-4DF8-826E-A45CEF6B6EA1}" type="datetime1">
               <a:rPr lang="en-GB" smtClean="0"/>
-              <a:t>05/09/2019</a:t>
+              <a:t>06/09/2019</a:t>
             </a:fld>
             <a:endParaRPr lang="en-US"/>
           </a:p>
@@ -6502,13 +6505,13 @@
     <p:sldLayoutId id="2147483889" r:id="rId16"/>
     <p:sldLayoutId id="2147483890" r:id="rId17"/>
   </p:sldLayoutIdLst>
-  <mc:AlternateContent xmlns:mc="http://schemas.openxmlformats.org/markup-compatibility/2006">
-    <mc:Choice xmlns:p14="http://schemas.microsoft.com/office/powerpoint/2010/main" Requires="p14">
+  <mc:AlternateContent xmlns:mc="http://schemas.openxmlformats.org/markup-compatibility/2006" xmlns:p14="http://schemas.microsoft.com/office/powerpoint/2010/main">
+    <mc:Choice Requires="p14">
       <p:transition spd="med" p14:dur="700">
         <p:fade/>
       </p:transition>
     </mc:Choice>
-    <mc:Fallback>
+    <mc:Fallback xmlns="">
       <p:transition spd="med">
         <p:fade/>
       </p:transition>
@@ -7135,13 +7138,13 @@
   <p:clrMapOvr>
     <a:masterClrMapping/>
   </p:clrMapOvr>
-  <mc:AlternateContent xmlns:mc="http://schemas.openxmlformats.org/markup-compatibility/2006">
-    <mc:Choice xmlns:p14="http://schemas.microsoft.com/office/powerpoint/2010/main" Requires="p14">
+  <mc:AlternateContent xmlns:mc="http://schemas.openxmlformats.org/markup-compatibility/2006" xmlns:p14="http://schemas.microsoft.com/office/powerpoint/2010/main">
+    <mc:Choice Requires="p14">
       <p:transition spd="med" p14:dur="700">
         <p:fade/>
       </p:transition>
     </mc:Choice>
-    <mc:Fallback>
+    <mc:Fallback xmlns="">
       <p:transition spd="med">
         <p:fade/>
       </p:transition>
@@ -7206,7 +7209,128 @@
             <a:spLocks noGrp="1"/>
           </p:cNvSpPr>
           <p:nvPr>
-            <p:ph idx="1"/>
+            <p:ph sz="half" idx="1"/>
+          </p:nvPr>
+        </p:nvSpPr>
+        <p:spPr/>
+        <p:txBody>
+          <a:bodyPr>
+            <a:normAutofit fontScale="92500" lnSpcReduction="20000"/>
+          </a:bodyPr>
+          <a:lstStyle/>
+          <a:p>
+            <a:r>
+              <a:rPr lang="en-US" dirty="0"/>
+              <a:t>Dataset of </a:t>
+            </a:r>
+            <a:r>
+              <a:rPr lang="en-US" dirty="0" smtClean="0"/>
+              <a:t>9.000 </a:t>
+            </a:r>
+            <a:r>
+              <a:rPr lang="en-US" dirty="0"/>
+              <a:t>images of </a:t>
+            </a:r>
+            <a:r>
+              <a:rPr lang="en-US" dirty="0" smtClean="0"/>
+              <a:t>corridors </a:t>
+            </a:r>
+            <a:r>
+              <a:rPr lang="en-US" dirty="0"/>
+              <a:t>and </a:t>
+            </a:r>
+            <a:r>
+              <a:rPr lang="en-US" dirty="0" smtClean="0"/>
+              <a:t>intersections </a:t>
+            </a:r>
+            <a:r>
+              <a:rPr lang="en-US" dirty="0"/>
+              <a:t>(binary classification)</a:t>
+            </a:r>
+          </a:p>
+          <a:p>
+            <a:r>
+              <a:rPr lang="en-US" dirty="0"/>
+              <a:t>Simple Convolutional network with 4 convolutional layers and 2 fully connected layers is trained with pooling layers after each convolutional layer and 50% dropout after the fully connected layer </a:t>
+            </a:r>
+            <a:r>
+              <a:rPr lang="en-US" dirty="0" smtClean="0"/>
+              <a:t>(60 </a:t>
+            </a:r>
+            <a:r>
+              <a:rPr lang="en-US" dirty="0"/>
+              <a:t>epochs)</a:t>
+            </a:r>
+          </a:p>
+          <a:p>
+            <a:r>
+              <a:rPr lang="en-US" dirty="0" smtClean="0"/>
+              <a:t>Accuracy Results:</a:t>
+            </a:r>
+          </a:p>
+          <a:p>
+            <a:pPr lvl="1"/>
+            <a:r>
+              <a:rPr lang="en-US" dirty="0" smtClean="0"/>
+              <a:t>Normal Images: 84.2%</a:t>
+            </a:r>
+          </a:p>
+          <a:p>
+            <a:pPr lvl="1"/>
+            <a:r>
+              <a:rPr lang="en-US" dirty="0" smtClean="0"/>
+              <a:t>Spherical Images: 99.9%</a:t>
+            </a:r>
+          </a:p>
+          <a:p>
+            <a:r>
+              <a:rPr lang="en-US" dirty="0" smtClean="0"/>
+              <a:t>The model trained with spherical images significantly outperforms the model trained with normal images.</a:t>
+            </a:r>
+            <a:endParaRPr lang="en-US" dirty="0"/>
+          </a:p>
+          <a:p>
+            <a:endParaRPr lang="en-US" dirty="0"/>
+          </a:p>
+        </p:txBody>
+      </p:sp>
+      <p:pic>
+        <p:nvPicPr>
+          <p:cNvPr id="11" name="Content Placeholder 10"/>
+          <p:cNvPicPr>
+            <a:picLocks noGrp="1" noChangeAspect="1"/>
+          </p:cNvPicPr>
+          <p:nvPr>
+            <p:ph sz="half" idx="2"/>
+          </p:nvPr>
+        </p:nvPicPr>
+        <p:blipFill>
+          <a:blip r:embed="rId2">
+            <a:extLst>
+              <a:ext uri="{28A0092B-C50C-407E-A947-70E740481C1C}">
+                <a14:useLocalDpi xmlns:a14="http://schemas.microsoft.com/office/drawing/2010/main" val="0"/>
+              </a:ext>
+            </a:extLst>
+          </a:blip>
+          <a:stretch>
+            <a:fillRect/>
+          </a:stretch>
+        </p:blipFill>
+        <p:spPr>
+          <a:xfrm>
+            <a:off x="6202363" y="2073011"/>
+            <a:ext cx="5065712" cy="3377141"/>
+          </a:xfrm>
+        </p:spPr>
+      </p:pic>
+      <p:sp>
+        <p:nvSpPr>
+          <p:cNvPr id="4" name="Date Placeholder 3"/>
+          <p:cNvSpPr>
+            <a:spLocks noGrp="1"/>
+          </p:cNvSpPr>
+          <p:nvPr>
+            <p:ph type="dt" sz="half" idx="10"/>
           </p:nvPr>
         </p:nvSpPr>
         <p:spPr/>
@@ -7214,99 +7338,9 @@
           <a:bodyPr/>
           <a:lstStyle/>
           <a:p>
-            <a:r>
-              <a:rPr lang="en-US" dirty="0"/>
-              <a:t>Dataset of </a:t>
-            </a:r>
-            <a:r>
-              <a:rPr lang="en-US" dirty="0" smtClean="0"/>
-              <a:t>9.000 </a:t>
-            </a:r>
-            <a:r>
-              <a:rPr lang="en-US" dirty="0"/>
-              <a:t>images of </a:t>
-            </a:r>
-            <a:r>
-              <a:rPr lang="en-US" dirty="0" smtClean="0"/>
-              <a:t>corridors </a:t>
-            </a:r>
-            <a:r>
-              <a:rPr lang="en-US" dirty="0"/>
-              <a:t>and </a:t>
-            </a:r>
-            <a:r>
-              <a:rPr lang="en-US" dirty="0" smtClean="0"/>
-              <a:t>intersections </a:t>
-            </a:r>
-            <a:r>
-              <a:rPr lang="en-US" dirty="0"/>
-              <a:t>(binary classification)</a:t>
-            </a:r>
-          </a:p>
-          <a:p>
-            <a:r>
-              <a:rPr lang="en-US" dirty="0"/>
-              <a:t>Simple Convolutional network with 4 convolutional layers and 2 fully connected layers is trained with pooling layers after each convolutional layer and 50% dropout after the fully connected layer </a:t>
-            </a:r>
-            <a:r>
-              <a:rPr lang="en-US" dirty="0" smtClean="0"/>
-              <a:t>(60 </a:t>
-            </a:r>
-            <a:r>
-              <a:rPr lang="en-US" dirty="0"/>
-              <a:t>epochs)</a:t>
-            </a:r>
-          </a:p>
-          <a:p>
-            <a:r>
-              <a:rPr lang="en-US" dirty="0" smtClean="0"/>
-              <a:t>Accuracy Results:</a:t>
-            </a:r>
-          </a:p>
-          <a:p>
-            <a:pPr lvl="1"/>
-            <a:r>
-              <a:rPr lang="en-US" dirty="0" smtClean="0"/>
-              <a:t>Normal Images: 84.2%</a:t>
-            </a:r>
-          </a:p>
-          <a:p>
-            <a:pPr lvl="1"/>
-            <a:r>
-              <a:rPr lang="en-US" dirty="0" smtClean="0"/>
-              <a:t>Spherical Images: 99.9%</a:t>
-            </a:r>
-          </a:p>
-          <a:p>
-            <a:r>
-              <a:rPr lang="en-US" dirty="0" smtClean="0"/>
-              <a:t>The model trained with spherical images significantly outperforms the model trained with normal images.</a:t>
-            </a:r>
-            <a:endParaRPr lang="en-US" dirty="0"/>
-          </a:p>
-          <a:p>
-            <a:endParaRPr lang="en-US" dirty="0"/>
-          </a:p>
-        </p:txBody>
-      </p:sp>
-      <p:sp>
-        <p:nvSpPr>
-          <p:cNvPr id="4" name="Date Placeholder 3"/>
-          <p:cNvSpPr>
-            <a:spLocks noGrp="1"/>
-          </p:cNvSpPr>
-          <p:nvPr>
-            <p:ph type="dt" sz="half" idx="10"/>
-          </p:nvPr>
-        </p:nvSpPr>
-        <p:spPr/>
-        <p:txBody>
-          <a:bodyPr/>
-          <a:lstStyle/>
-          <a:p>
             <a:fld id="{45693578-DFA0-43A5-8FBF-025FCD153E02}" type="datetime1">
               <a:rPr lang="en-GB" smtClean="0"/>
-              <a:t>05/09/2019</a:t>
+              <a:t>06/09/2019</a:t>
             </a:fld>
             <a:endParaRPr lang="en-US"/>
           </a:p>
@@ -7368,13 +7402,13 @@
   <p:clrMapOvr>
     <a:masterClrMapping/>
   </p:clrMapOvr>
-  <mc:AlternateContent xmlns:mc="http://schemas.openxmlformats.org/markup-compatibility/2006">
-    <mc:Choice xmlns:p14="http://schemas.microsoft.com/office/powerpoint/2010/main" Requires="p14">
+  <mc:AlternateContent xmlns:mc="http://schemas.openxmlformats.org/markup-compatibility/2006" xmlns:p14="http://schemas.microsoft.com/office/powerpoint/2010/main">
+    <mc:Choice Requires="p14">
       <p:transition spd="med" p14:dur="700">
         <p:fade/>
       </p:transition>
     </mc:Choice>
-    <mc:Fallback>
+    <mc:Fallback xmlns="">
       <p:transition spd="med">
         <p:fade/>
       </p:transition>
@@ -7579,11 +7613,7 @@
                                           </p:stCondLst>
                                         </p:cTn>
                                         <p:tgtEl>
-                                          <p:spTgt spid="3">
-                                            <p:txEl>
-                                              <p:pRg st="3" end="3"/>
-                                            </p:txEl>
-                                          </p:spTgt>
+                                          <p:spTgt spid="11"/>
                                         </p:tgtEl>
                                         <p:attrNameLst>
                                           <p:attrName>style.visibility</p:attrName>
@@ -7597,11 +7627,7 @@
                                       <p:cBhvr>
                                         <p:cTn id="20" dur="500"/>
                                         <p:tgtEl>
-                                          <p:spTgt spid="3">
-                                            <p:txEl>
-                                              <p:pRg st="3" end="3"/>
-                                            </p:txEl>
-                                          </p:spTgt>
+                                          <p:spTgt spid="11"/>
                                         </p:tgtEl>
                                       </p:cBhvr>
                                     </p:animEffect>
@@ -7624,6 +7650,49 @@
                                         <p:tgtEl>
                                           <p:spTgt spid="3">
                                             <p:txEl>
+                                              <p:pRg st="3" end="3"/>
+                                            </p:txEl>
+                                          </p:spTgt>
+                                        </p:tgtEl>
+                                        <p:attrNameLst>
+                                          <p:attrName>style.visibility</p:attrName>
+                                        </p:attrNameLst>
+                                      </p:cBhvr>
+                                      <p:to>
+                                        <p:strVal val="visible"/>
+                                      </p:to>
+                                    </p:set>
+                                    <p:animEffect transition="in" filter="fade">
+                                      <p:cBhvr>
+                                        <p:cTn id="23" dur="500"/>
+                                        <p:tgtEl>
+                                          <p:spTgt spid="3">
+                                            <p:txEl>
+                                              <p:pRg st="3" end="3"/>
+                                            </p:txEl>
+                                          </p:spTgt>
+                                        </p:tgtEl>
+                                      </p:cBhvr>
+                                    </p:animEffect>
+                                  </p:childTnLst>
+                                </p:cTn>
+                              </p:par>
+                              <p:par>
+                                <p:cTn id="24" presetID="10" presetClass="entr" presetSubtype="0" fill="hold" nodeType="withEffect">
+                                  <p:stCondLst>
+                                    <p:cond delay="0"/>
+                                  </p:stCondLst>
+                                  <p:childTnLst>
+                                    <p:set>
+                                      <p:cBhvr>
+                                        <p:cTn id="25" dur="1" fill="hold">
+                                          <p:stCondLst>
+                                            <p:cond delay="0"/>
+                                          </p:stCondLst>
+                                        </p:cTn>
+                                        <p:tgtEl>
+                                          <p:spTgt spid="3">
+                                            <p:txEl>
                                               <p:pRg st="4" end="4"/>
                                             </p:txEl>
                                           </p:spTgt>
@@ -7638,7 +7707,7 @@
                                     </p:set>
                                     <p:animEffect transition="in" filter="fade">
                                       <p:cBhvr>
-                                        <p:cTn id="23" dur="500"/>
+                                        <p:cTn id="26" dur="500"/>
                                         <p:tgtEl>
                                           <p:spTgt spid="3">
                                             <p:txEl>
@@ -7658,26 +7727,26 @@
                     </p:cTn>
                   </p:par>
                   <p:par>
-                    <p:cTn id="24" fill="hold">
+                    <p:cTn id="27" fill="hold">
                       <p:stCondLst>
                         <p:cond delay="indefinite"/>
                       </p:stCondLst>
                       <p:childTnLst>
                         <p:par>
-                          <p:cTn id="25" fill="hold">
+                          <p:cTn id="28" fill="hold">
                             <p:stCondLst>
                               <p:cond delay="0"/>
                             </p:stCondLst>
                             <p:childTnLst>
                               <p:par>
-                                <p:cTn id="26" presetID="10" presetClass="entr" presetSubtype="0" fill="hold" nodeType="clickEffect">
+                                <p:cTn id="29" presetID="10" presetClass="entr" presetSubtype="0" fill="hold" nodeType="clickEffect">
                                   <p:stCondLst>
                                     <p:cond delay="0"/>
                                   </p:stCondLst>
                                   <p:childTnLst>
                                     <p:set>
                                       <p:cBhvr>
-                                        <p:cTn id="27" dur="1" fill="hold">
+                                        <p:cTn id="30" dur="1" fill="hold">
                                           <p:stCondLst>
                                             <p:cond delay="0"/>
                                           </p:stCondLst>
@@ -7699,7 +7768,7 @@
                                     </p:set>
                                     <p:animEffect transition="in" filter="fade">
                                       <p:cBhvr>
-                                        <p:cTn id="28" dur="500"/>
+                                        <p:cTn id="31" dur="500"/>
                                         <p:tgtEl>
                                           <p:spTgt spid="3">
                                             <p:txEl>
@@ -7895,7 +7964,7 @@
           <a:p>
             <a:fld id="{45693578-DFA0-43A5-8FBF-025FCD153E02}" type="datetime1">
               <a:rPr lang="en-GB" smtClean="0"/>
-              <a:t>05/09/2019</a:t>
+              <a:t>06/09/2019</a:t>
             </a:fld>
             <a:endParaRPr lang="en-US"/>
           </a:p>
@@ -7957,13 +8026,13 @@
   <p:clrMapOvr>
     <a:masterClrMapping/>
   </p:clrMapOvr>
-  <mc:AlternateContent xmlns:mc="http://schemas.openxmlformats.org/markup-compatibility/2006">
-    <mc:Choice xmlns:p14="http://schemas.microsoft.com/office/powerpoint/2010/main" Requires="p14">
+  <mc:AlternateContent xmlns:mc="http://schemas.openxmlformats.org/markup-compatibility/2006" xmlns:p14="http://schemas.microsoft.com/office/powerpoint/2010/main">
+    <mc:Choice Requires="p14">
       <p:transition spd="med" p14:dur="700">
         <p:fade/>
       </p:transition>
     </mc:Choice>
-    <mc:Fallback>
+    <mc:Fallback xmlns="">
       <p:transition spd="med">
         <p:fade/>
       </p:transition>
@@ -8598,7 +8667,7 @@
           <a:p>
             <a:fld id="{45693578-DFA0-43A5-8FBF-025FCD153E02}" type="datetime1">
               <a:rPr lang="en-GB" smtClean="0"/>
-              <a:t>05/09/2019</a:t>
+              <a:t>06/09/2019</a:t>
             </a:fld>
             <a:endParaRPr lang="en-US"/>
           </a:p>
@@ -8660,13 +8729,13 @@
   <p:clrMapOvr>
     <a:masterClrMapping/>
   </p:clrMapOvr>
-  <mc:AlternateContent xmlns:mc="http://schemas.openxmlformats.org/markup-compatibility/2006">
-    <mc:Choice xmlns:p14="http://schemas.microsoft.com/office/powerpoint/2010/main" Requires="p14">
+  <mc:AlternateContent xmlns:mc="http://schemas.openxmlformats.org/markup-compatibility/2006" xmlns:p14="http://schemas.microsoft.com/office/powerpoint/2010/main">
+    <mc:Choice Requires="p14">
       <p:transition spd="med" p14:dur="700">
         <p:fade/>
       </p:transition>
     </mc:Choice>
-    <mc:Fallback>
+    <mc:Fallback xmlns="">
       <p:transition spd="med">
         <p:fade/>
       </p:transition>
@@ -8831,7 +8900,7 @@
           <a:p>
             <a:fld id="{08969CC7-E686-4A6B-B38B-26E626755BF8}" type="datetime1">
               <a:rPr lang="en-GB" smtClean="0"/>
-              <a:t>05/09/2019</a:t>
+              <a:t>06/09/2019</a:t>
             </a:fld>
             <a:endParaRPr lang="en-US"/>
           </a:p>
@@ -8893,13 +8962,13 @@
   <p:clrMapOvr>
     <a:masterClrMapping/>
   </p:clrMapOvr>
-  <mc:AlternateContent xmlns:mc="http://schemas.openxmlformats.org/markup-compatibility/2006">
-    <mc:Choice xmlns:p14="http://schemas.microsoft.com/office/powerpoint/2010/main" Requires="p14">
+  <mc:AlternateContent xmlns:mc="http://schemas.openxmlformats.org/markup-compatibility/2006" xmlns:p14="http://schemas.microsoft.com/office/powerpoint/2010/main">
+    <mc:Choice Requires="p14">
       <p:transition spd="med" p14:dur="700">
         <p:fade/>
       </p:transition>
     </mc:Choice>
-    <mc:Fallback>
+    <mc:Fallback xmlns="">
       <p:transition spd="med">
         <p:fade/>
       </p:transition>
@@ -9616,7 +9685,7 @@
           <a:p>
             <a:fld id="{45693578-DFA0-43A5-8FBF-025FCD153E02}" type="datetime1">
               <a:rPr lang="en-GB" smtClean="0"/>
-              <a:t>05/09/2019</a:t>
+              <a:t>06/09/2019</a:t>
             </a:fld>
             <a:endParaRPr lang="en-US"/>
           </a:p>
@@ -9678,13 +9747,13 @@
   <p:clrMapOvr>
     <a:masterClrMapping/>
   </p:clrMapOvr>
-  <mc:AlternateContent xmlns:mc="http://schemas.openxmlformats.org/markup-compatibility/2006">
-    <mc:Choice xmlns:p14="http://schemas.microsoft.com/office/powerpoint/2010/main" Requires="p14">
+  <mc:AlternateContent xmlns:mc="http://schemas.openxmlformats.org/markup-compatibility/2006" xmlns:p14="http://schemas.microsoft.com/office/powerpoint/2010/main">
+    <mc:Choice Requires="p14">
       <p:transition spd="med" p14:dur="700">
         <p:fade/>
       </p:transition>
     </mc:Choice>
-    <mc:Fallback>
+    <mc:Fallback xmlns="">
       <p:transition spd="med">
         <p:fade/>
       </p:transition>
@@ -10189,7 +10258,7 @@
           <a:p>
             <a:fld id="{45693578-DFA0-43A5-8FBF-025FCD153E02}" type="datetime1">
               <a:rPr lang="en-GB" smtClean="0"/>
-              <a:t>05/09/2019</a:t>
+              <a:t>06/09/2019</a:t>
             </a:fld>
             <a:endParaRPr lang="en-US"/>
           </a:p>
@@ -10251,13 +10320,13 @@
   <p:clrMapOvr>
     <a:masterClrMapping/>
   </p:clrMapOvr>
-  <mc:AlternateContent xmlns:mc="http://schemas.openxmlformats.org/markup-compatibility/2006">
-    <mc:Choice xmlns:p14="http://schemas.microsoft.com/office/powerpoint/2010/main" Requires="p14">
+  <mc:AlternateContent xmlns:mc="http://schemas.openxmlformats.org/markup-compatibility/2006" xmlns:p14="http://schemas.microsoft.com/office/powerpoint/2010/main">
+    <mc:Choice Requires="p14">
       <p:transition spd="med" p14:dur="700">
         <p:fade/>
       </p:transition>
     </mc:Choice>
-    <mc:Fallback>
+    <mc:Fallback xmlns="">
       <p:transition spd="med">
         <p:fade/>
       </p:transition>
@@ -10712,7 +10781,7 @@
           <a:p>
             <a:fld id="{45693578-DFA0-43A5-8FBF-025FCD153E02}" type="datetime1">
               <a:rPr lang="en-GB" smtClean="0"/>
-              <a:t>05/09/2019</a:t>
+              <a:t>06/09/2019</a:t>
             </a:fld>
             <a:endParaRPr lang="en-US"/>
           </a:p>
@@ -10804,13 +10873,13 @@
   <p:clrMapOvr>
     <a:masterClrMapping/>
   </p:clrMapOvr>
-  <mc:AlternateContent xmlns:mc="http://schemas.openxmlformats.org/markup-compatibility/2006">
-    <mc:Choice xmlns:p14="http://schemas.microsoft.com/office/powerpoint/2010/main" Requires="p14">
+  <mc:AlternateContent xmlns:mc="http://schemas.openxmlformats.org/markup-compatibility/2006" xmlns:p14="http://schemas.microsoft.com/office/powerpoint/2010/main">
+    <mc:Choice Requires="p14">
       <p:transition spd="med" p14:dur="700">
         <p:fade/>
       </p:transition>
     </mc:Choice>
-    <mc:Fallback>
+    <mc:Fallback xmlns="">
       <p:transition spd="med">
         <p:fade/>
       </p:transition>
@@ -11440,7 +11509,7 @@
           <a:p>
             <a:fld id="{26002B1E-3569-4069-AEB7-51062AF5BBBB}" type="datetime1">
               <a:rPr lang="en-GB" smtClean="0"/>
-              <a:t>05/09/2019</a:t>
+              <a:t>06/09/2019</a:t>
             </a:fld>
             <a:endParaRPr lang="en-US"/>
           </a:p>
@@ -11502,13 +11571,13 @@
   <p:clrMapOvr>
     <a:masterClrMapping/>
   </p:clrMapOvr>
-  <mc:AlternateContent xmlns:mc="http://schemas.openxmlformats.org/markup-compatibility/2006">
-    <mc:Choice xmlns:p14="http://schemas.microsoft.com/office/powerpoint/2010/main" Requires="p14">
+  <mc:AlternateContent xmlns:mc="http://schemas.openxmlformats.org/markup-compatibility/2006" xmlns:p14="http://schemas.microsoft.com/office/powerpoint/2010/main">
+    <mc:Choice Requires="p14">
       <p:transition spd="med" p14:dur="700">
         <p:fade/>
       </p:transition>
     </mc:Choice>
-    <mc:Fallback>
+    <mc:Fallback xmlns="">
       <p:transition spd="med">
         <p:fade/>
       </p:transition>
@@ -12076,7 +12145,7 @@
           <a:p>
             <a:fld id="{26002B1E-3569-4069-AEB7-51062AF5BBBB}" type="datetime1">
               <a:rPr lang="en-GB" smtClean="0"/>
-              <a:t>05/09/2019</a:t>
+              <a:t>06/09/2019</a:t>
             </a:fld>
             <a:endParaRPr lang="en-US"/>
           </a:p>
@@ -12138,13 +12207,13 @@
   <p:clrMapOvr>
     <a:masterClrMapping/>
   </p:clrMapOvr>
-  <mc:AlternateContent xmlns:mc="http://schemas.openxmlformats.org/markup-compatibility/2006">
-    <mc:Choice xmlns:p14="http://schemas.microsoft.com/office/powerpoint/2010/main" Requires="p14">
+  <mc:AlternateContent xmlns:mc="http://schemas.openxmlformats.org/markup-compatibility/2006" xmlns:p14="http://schemas.microsoft.com/office/powerpoint/2010/main">
+    <mc:Choice Requires="p14">
       <p:transition spd="med" p14:dur="700">
         <p:fade/>
       </p:transition>
     </mc:Choice>
-    <mc:Fallback>
+    <mc:Fallback xmlns="">
       <p:transition spd="med">
         <p:fade/>
       </p:transition>
@@ -12559,7 +12628,7 @@
           <a:p>
             <a:fld id="{26002B1E-3569-4069-AEB7-51062AF5BBBB}" type="datetime1">
               <a:rPr lang="en-GB" smtClean="0"/>
-              <a:t>05/09/2019</a:t>
+              <a:t>06/09/2019</a:t>
             </a:fld>
             <a:endParaRPr lang="en-US"/>
           </a:p>
@@ -12681,13 +12750,13 @@
   <p:clrMapOvr>
     <a:masterClrMapping/>
   </p:clrMapOvr>
-  <mc:AlternateContent xmlns:mc="http://schemas.openxmlformats.org/markup-compatibility/2006">
-    <mc:Choice xmlns:p14="http://schemas.microsoft.com/office/powerpoint/2010/main" Requires="p14">
+  <mc:AlternateContent xmlns:mc="http://schemas.openxmlformats.org/markup-compatibility/2006" xmlns:p14="http://schemas.microsoft.com/office/powerpoint/2010/main">
+    <mc:Choice Requires="p14">
       <p:transition spd="med" p14:dur="700">
         <p:fade/>
       </p:transition>
     </mc:Choice>
-    <mc:Fallback>
+    <mc:Fallback xmlns="">
       <p:transition spd="med">
         <p:fade/>
       </p:transition>
@@ -13126,7 +13195,7 @@
           <a:p>
             <a:fld id="{45693578-DFA0-43A5-8FBF-025FCD153E02}" type="datetime1">
               <a:rPr lang="en-GB" smtClean="0"/>
-              <a:t>05/09/2019</a:t>
+              <a:t>06/09/2019</a:t>
             </a:fld>
             <a:endParaRPr lang="en-US"/>
           </a:p>
@@ -13188,13 +13257,13 @@
   <p:clrMapOvr>
     <a:masterClrMapping/>
   </p:clrMapOvr>
-  <mc:AlternateContent xmlns:mc="http://schemas.openxmlformats.org/markup-compatibility/2006">
-    <mc:Choice xmlns:p14="http://schemas.microsoft.com/office/powerpoint/2010/main" Requires="p14">
+  <mc:AlternateContent xmlns:mc="http://schemas.openxmlformats.org/markup-compatibility/2006" xmlns:p14="http://schemas.microsoft.com/office/powerpoint/2010/main">
+    <mc:Choice Requires="p14">
       <p:transition spd="med" p14:dur="700">
         <p:fade/>
       </p:transition>
     </mc:Choice>
-    <mc:Fallback>
+    <mc:Fallback xmlns="">
       <p:transition spd="med">
         <p:fade/>
       </p:transition>
